--- a/spring14/slidesS14/pulverizer.pptx
+++ b/spring14/slidesS14/pulverizer.pptx
@@ -7188,7 +7188,7 @@
         </p:nvSpPr>
         <p:spPr bwMode="auto">
           <a:xfrm>
-            <a:off x="92625" y="5410200"/>
+            <a:off x="92625" y="5553670"/>
             <a:ext cx="4860375" cy="923330"/>
           </a:xfrm>
           <a:prstGeom prst="rect">
@@ -7315,7 +7315,7 @@
   <p:clrMapOvr>
     <a:masterClrMapping/>
   </p:clrMapOvr>
-  <p:transition xmlns:p14="http://schemas.microsoft.com/office/powerpoint/2010/main" spd="slow" advClick="0">
+  <p:transition xmlns:p14="http://schemas.microsoft.com/office/powerpoint/2010/main" advClick="0">
     <p:fade/>
   </p:transition>
   <p:timing>
@@ -7330,6 +7330,9 @@
                     <p:cTn id="3" fill="hold">
                       <p:stCondLst>
                         <p:cond delay="indefinite"/>
+                        <p:cond evt="onBegin" delay="0">
+                          <p:tn val="2"/>
+                        </p:cond>
                       </p:stCondLst>
                       <p:childTnLst>
                         <p:par>
@@ -7339,7 +7342,7 @@
                             </p:stCondLst>
                             <p:childTnLst>
                               <p:par>
-                                <p:cTn id="5" presetID="9" presetClass="entr" presetSubtype="0" fill="hold" grpId="0" nodeType="clickEffect">
+                                <p:cTn id="5" presetID="9" presetClass="entr" presetSubtype="0" fill="hold" grpId="0" nodeType="withEffect">
                                   <p:stCondLst>
                                     <p:cond delay="0"/>
                                   </p:stCondLst>
@@ -8378,7 +8381,7 @@
           <a:graphicData uri="http://schemas.openxmlformats.org/presentationml/2006/ole">
             <mc:AlternateContent xmlns:mc="http://schemas.openxmlformats.org/markup-compatibility/2006">
               <mc:Choice xmlns:v="urn:schemas-microsoft-com:vml" Requires="v">
-                <p:oleObj spid="_x0000_s1027" name="Equation" r:id="rId3" imgW="406400" imgH="292100" progId="Equation.DSMT4">
+                <p:oleObj spid="_x0000_s1032" name="Equation" r:id="rId3" imgW="406400" imgH="292100" progId="Equation.DSMT4">
                   <p:embed/>
                 </p:oleObj>
               </mc:Choice>
